--- a/Desarrollo Seccion A.pptx
+++ b/Desarrollo Seccion A.pptx
@@ -258,7 +258,7 @@
           <a:p>
             <a:fld id="{532C0000-EA4E-41BE-B22E-5140D64BA3A7}" type="datetimeFigureOut">
               <a:rPr lang="en-US" smtClean="0"/>
-              <a:t>10/9/2021</a:t>
+              <a:t>11/9/2021</a:t>
             </a:fld>
             <a:endParaRPr lang="en-US"/>
           </a:p>
@@ -428,7 +428,7 @@
           <a:p>
             <a:fld id="{532C0000-EA4E-41BE-B22E-5140D64BA3A7}" type="datetimeFigureOut">
               <a:rPr lang="en-US" smtClean="0"/>
-              <a:t>10/9/2021</a:t>
+              <a:t>11/9/2021</a:t>
             </a:fld>
             <a:endParaRPr lang="en-US"/>
           </a:p>
@@ -608,7 +608,7 @@
           <a:p>
             <a:fld id="{532C0000-EA4E-41BE-B22E-5140D64BA3A7}" type="datetimeFigureOut">
               <a:rPr lang="en-US" smtClean="0"/>
-              <a:t>10/9/2021</a:t>
+              <a:t>11/9/2021</a:t>
             </a:fld>
             <a:endParaRPr lang="en-US"/>
           </a:p>
@@ -1827,7 +1827,7 @@
           <a:p>
             <a:fld id="{2ECEA801-10FE-CD45-A14A-08680F041701}" type="datetimeFigureOut">
               <a:rPr lang="es-CO" smtClean="0"/>
-              <a:t>10/09/2021</a:t>
+              <a:t>11/09/2021</a:t>
             </a:fld>
             <a:endParaRPr lang="es-CO"/>
           </a:p>
@@ -1997,7 +1997,7 @@
           <a:p>
             <a:fld id="{532C0000-EA4E-41BE-B22E-5140D64BA3A7}" type="datetimeFigureOut">
               <a:rPr lang="en-US" smtClean="0"/>
-              <a:t>10/9/2021</a:t>
+              <a:t>11/9/2021</a:t>
             </a:fld>
             <a:endParaRPr lang="en-US"/>
           </a:p>
@@ -2243,7 +2243,7 @@
           <a:p>
             <a:fld id="{532C0000-EA4E-41BE-B22E-5140D64BA3A7}" type="datetimeFigureOut">
               <a:rPr lang="en-US" smtClean="0"/>
-              <a:t>10/9/2021</a:t>
+              <a:t>11/9/2021</a:t>
             </a:fld>
             <a:endParaRPr lang="en-US"/>
           </a:p>
@@ -2475,7 +2475,7 @@
           <a:p>
             <a:fld id="{532C0000-EA4E-41BE-B22E-5140D64BA3A7}" type="datetimeFigureOut">
               <a:rPr lang="en-US" smtClean="0"/>
-              <a:t>10/9/2021</a:t>
+              <a:t>11/9/2021</a:t>
             </a:fld>
             <a:endParaRPr lang="en-US"/>
           </a:p>
@@ -2842,7 +2842,7 @@
           <a:p>
             <a:fld id="{532C0000-EA4E-41BE-B22E-5140D64BA3A7}" type="datetimeFigureOut">
               <a:rPr lang="en-US" smtClean="0"/>
-              <a:t>10/9/2021</a:t>
+              <a:t>11/9/2021</a:t>
             </a:fld>
             <a:endParaRPr lang="en-US"/>
           </a:p>
@@ -2960,7 +2960,7 @@
           <a:p>
             <a:fld id="{532C0000-EA4E-41BE-B22E-5140D64BA3A7}" type="datetimeFigureOut">
               <a:rPr lang="en-US" smtClean="0"/>
-              <a:t>10/9/2021</a:t>
+              <a:t>11/9/2021</a:t>
             </a:fld>
             <a:endParaRPr lang="en-US"/>
           </a:p>
@@ -3055,7 +3055,7 @@
           <a:p>
             <a:fld id="{532C0000-EA4E-41BE-B22E-5140D64BA3A7}" type="datetimeFigureOut">
               <a:rPr lang="en-US" smtClean="0"/>
-              <a:t>10/9/2021</a:t>
+              <a:t>11/9/2021</a:t>
             </a:fld>
             <a:endParaRPr lang="en-US"/>
           </a:p>
@@ -3332,7 +3332,7 @@
           <a:p>
             <a:fld id="{532C0000-EA4E-41BE-B22E-5140D64BA3A7}" type="datetimeFigureOut">
               <a:rPr lang="en-US" smtClean="0"/>
-              <a:t>10/9/2021</a:t>
+              <a:t>11/9/2021</a:t>
             </a:fld>
             <a:endParaRPr lang="en-US"/>
           </a:p>
@@ -3585,7 +3585,7 @@
           <a:p>
             <a:fld id="{532C0000-EA4E-41BE-B22E-5140D64BA3A7}" type="datetimeFigureOut">
               <a:rPr lang="en-US" smtClean="0"/>
-              <a:t>10/9/2021</a:t>
+              <a:t>11/9/2021</a:t>
             </a:fld>
             <a:endParaRPr lang="en-US"/>
           </a:p>
@@ -3798,7 +3798,7 @@
           <a:p>
             <a:fld id="{532C0000-EA4E-41BE-B22E-5140D64BA3A7}" type="datetimeFigureOut">
               <a:rPr lang="en-US" smtClean="0"/>
-              <a:t>10/9/2021</a:t>
+              <a:t>11/9/2021</a:t>
             </a:fld>
             <a:endParaRPr lang="en-US"/>
           </a:p>
@@ -4244,7 +4244,7 @@
           </a:ln>
           <a:extLst>
             <a:ext uri="{C572A759-6A51-4108-AA02-DFA0A04FC94B}">
-              <ma14:wrappingTextBoxFlag xmlns="" xmlns:m="http://schemas.openxmlformats.org/officeDocument/2006/math" xmlns:a14="http://schemas.microsoft.com/office/drawing/2010/main" xmlns:ma14="http://schemas.microsoft.com/office/mac/drawingml/2011/main" val="1"/>
+              <ma14:wrappingTextBoxFlag xmlns:ma14="http://schemas.microsoft.com/office/mac/drawingml/2011/main" xmlns:a14="http://schemas.microsoft.com/office/drawing/2010/main" xmlns:m="http://schemas.openxmlformats.org/officeDocument/2006/math" xmlns="" val="1"/>
             </a:ext>
           </a:extLst>
         </p:spPr>
@@ -4283,7 +4283,7 @@
           </a:ln>
           <a:extLst>
             <a:ext uri="{C572A759-6A51-4108-AA02-DFA0A04FC94B}">
-              <ma14:wrappingTextBoxFlag xmlns="" xmlns:m="http://schemas.openxmlformats.org/officeDocument/2006/math" xmlns:a14="http://schemas.microsoft.com/office/drawing/2010/main" xmlns:ma14="http://schemas.microsoft.com/office/mac/drawingml/2011/main" val="1"/>
+              <ma14:wrappingTextBoxFlag xmlns:ma14="http://schemas.microsoft.com/office/mac/drawingml/2011/main" xmlns:a14="http://schemas.microsoft.com/office/drawing/2010/main" xmlns:m="http://schemas.openxmlformats.org/officeDocument/2006/math" xmlns="" val="1"/>
             </a:ext>
           </a:extLst>
         </p:spPr>
@@ -7519,7 +7519,7 @@
                 </a:solidFill>
                 <a:latin typeface="Arial Narrow" panose="020B0606020202030204" pitchFamily="34" charset="0"/>
               </a:rPr>
-              <a:t>4) </a:t>
+              <a:t>6) </a:t>
             </a:r>
             <a:r>
               <a:rPr lang="es-ES" b="1" dirty="0">
@@ -8062,7 +8062,7 @@
                 </a:solidFill>
                 <a:latin typeface="Arial Narrow" panose="020B0606020202030204" pitchFamily="34" charset="0"/>
               </a:rPr>
-              <a:t>4) </a:t>
+              <a:t>6) </a:t>
             </a:r>
             <a:r>
               <a:rPr lang="es-ES" b="1" dirty="0">
